--- a/발표 자료/최종 발표 자료/클래스 다이어그램.pptx
+++ b/발표 자료/최종 발표 자료/클래스 다이어그램.pptx
@@ -7,9 +7,12 @@
   <p:sldIdLst>
     <p:sldId id="256" r:id="rId2"/>
     <p:sldId id="257" r:id="rId3"/>
-    <p:sldId id="260" r:id="rId4"/>
+    <p:sldId id="258" r:id="rId4"/>
     <p:sldId id="259" r:id="rId5"/>
     <p:sldId id="261" r:id="rId6"/>
+    <p:sldId id="262" r:id="rId7"/>
+    <p:sldId id="264" r:id="rId8"/>
+    <p:sldId id="263" r:id="rId9"/>
   </p:sldIdLst>
   <p:sldSz cx="6858000" cy="9906000" type="A4"/>
   <p:notesSz cx="6858000" cy="9144000"/>
@@ -169,7 +172,7 @@
           </a:lstStyle>
           <a:p>
             <a:r>
-              <a:rPr lang="ko-KR" altLang="en-US" smtClean="0"/>
+              <a:rPr lang="ko-KR" altLang="en-US"/>
               <a:t>마스터 제목 스타일 편집</a:t>
             </a:r>
             <a:endParaRPr lang="en-US" dirty="0"/>
@@ -234,7 +237,7 @@
           </a:lstStyle>
           <a:p>
             <a:r>
-              <a:rPr lang="ko-KR" altLang="en-US" smtClean="0"/>
+              <a:rPr lang="ko-KR" altLang="en-US"/>
               <a:t>클릭하여 마스터 부제목 스타일 편집</a:t>
             </a:r>
             <a:endParaRPr lang="en-US" dirty="0"/>
@@ -258,7 +261,7 @@
           <a:p>
             <a:fld id="{C94A71AF-5BAD-43A7-B6A4-3CF4FC5276AB}" type="datetimeFigureOut">
               <a:rPr lang="ko-KR" altLang="en-US" smtClean="0"/>
-              <a:t>2020-09-15</a:t>
+              <a:t>2020-09-16</a:t>
             </a:fld>
             <a:endParaRPr lang="ko-KR" altLang="en-US"/>
           </a:p>
@@ -352,7 +355,7 @@
           <a:lstStyle/>
           <a:p>
             <a:r>
-              <a:rPr lang="ko-KR" altLang="en-US" smtClean="0"/>
+              <a:rPr lang="ko-KR" altLang="en-US"/>
               <a:t>마스터 제목 스타일 편집</a:t>
             </a:r>
             <a:endParaRPr lang="en-US" dirty="0"/>
@@ -376,35 +379,35 @@
           <a:p>
             <a:pPr lvl="0"/>
             <a:r>
-              <a:rPr lang="ko-KR" altLang="en-US" smtClean="0"/>
+              <a:rPr lang="ko-KR" altLang="en-US"/>
               <a:t>마스터 텍스트 스타일 편집</a:t>
             </a:r>
           </a:p>
           <a:p>
             <a:pPr lvl="1"/>
             <a:r>
-              <a:rPr lang="ko-KR" altLang="en-US" smtClean="0"/>
+              <a:rPr lang="ko-KR" altLang="en-US"/>
               <a:t>둘째 수준</a:t>
             </a:r>
           </a:p>
           <a:p>
             <a:pPr lvl="2"/>
             <a:r>
-              <a:rPr lang="ko-KR" altLang="en-US" smtClean="0"/>
+              <a:rPr lang="ko-KR" altLang="en-US"/>
               <a:t>셋째 수준</a:t>
             </a:r>
           </a:p>
           <a:p>
             <a:pPr lvl="3"/>
             <a:r>
-              <a:rPr lang="ko-KR" altLang="en-US" smtClean="0"/>
+              <a:rPr lang="ko-KR" altLang="en-US"/>
               <a:t>넷째 수준</a:t>
             </a:r>
           </a:p>
           <a:p>
             <a:pPr lvl="4"/>
             <a:r>
-              <a:rPr lang="ko-KR" altLang="en-US" smtClean="0"/>
+              <a:rPr lang="ko-KR" altLang="en-US"/>
               <a:t>다섯째 수준</a:t>
             </a:r>
             <a:endParaRPr lang="en-US" dirty="0"/>
@@ -428,7 +431,7 @@
           <a:p>
             <a:fld id="{C94A71AF-5BAD-43A7-B6A4-3CF4FC5276AB}" type="datetimeFigureOut">
               <a:rPr lang="ko-KR" altLang="en-US" smtClean="0"/>
-              <a:t>2020-09-15</a:t>
+              <a:t>2020-09-16</a:t>
             </a:fld>
             <a:endParaRPr lang="ko-KR" altLang="en-US"/>
           </a:p>
@@ -527,7 +530,7 @@
           <a:lstStyle/>
           <a:p>
             <a:r>
-              <a:rPr lang="ko-KR" altLang="en-US" smtClean="0"/>
+              <a:rPr lang="ko-KR" altLang="en-US"/>
               <a:t>마스터 제목 스타일 편집</a:t>
             </a:r>
             <a:endParaRPr lang="en-US" dirty="0"/>
@@ -556,35 +559,35 @@
           <a:p>
             <a:pPr lvl="0"/>
             <a:r>
-              <a:rPr lang="ko-KR" altLang="en-US" smtClean="0"/>
+              <a:rPr lang="ko-KR" altLang="en-US"/>
               <a:t>마스터 텍스트 스타일 편집</a:t>
             </a:r>
           </a:p>
           <a:p>
             <a:pPr lvl="1"/>
             <a:r>
-              <a:rPr lang="ko-KR" altLang="en-US" smtClean="0"/>
+              <a:rPr lang="ko-KR" altLang="en-US"/>
               <a:t>둘째 수준</a:t>
             </a:r>
           </a:p>
           <a:p>
             <a:pPr lvl="2"/>
             <a:r>
-              <a:rPr lang="ko-KR" altLang="en-US" smtClean="0"/>
+              <a:rPr lang="ko-KR" altLang="en-US"/>
               <a:t>셋째 수준</a:t>
             </a:r>
           </a:p>
           <a:p>
             <a:pPr lvl="3"/>
             <a:r>
-              <a:rPr lang="ko-KR" altLang="en-US" smtClean="0"/>
+              <a:rPr lang="ko-KR" altLang="en-US"/>
               <a:t>넷째 수준</a:t>
             </a:r>
           </a:p>
           <a:p>
             <a:pPr lvl="4"/>
             <a:r>
-              <a:rPr lang="ko-KR" altLang="en-US" smtClean="0"/>
+              <a:rPr lang="ko-KR" altLang="en-US"/>
               <a:t>다섯째 수준</a:t>
             </a:r>
             <a:endParaRPr lang="en-US" dirty="0"/>
@@ -608,7 +611,7 @@
           <a:p>
             <a:fld id="{C94A71AF-5BAD-43A7-B6A4-3CF4FC5276AB}" type="datetimeFigureOut">
               <a:rPr lang="ko-KR" altLang="en-US" smtClean="0"/>
-              <a:t>2020-09-15</a:t>
+              <a:t>2020-09-16</a:t>
             </a:fld>
             <a:endParaRPr lang="ko-KR" altLang="en-US"/>
           </a:p>
@@ -702,7 +705,7 @@
           <a:lstStyle/>
           <a:p>
             <a:r>
-              <a:rPr lang="ko-KR" altLang="en-US" smtClean="0"/>
+              <a:rPr lang="ko-KR" altLang="en-US"/>
               <a:t>마스터 제목 스타일 편집</a:t>
             </a:r>
             <a:endParaRPr lang="en-US" dirty="0"/>
@@ -726,35 +729,35 @@
           <a:p>
             <a:pPr lvl="0"/>
             <a:r>
-              <a:rPr lang="ko-KR" altLang="en-US" smtClean="0"/>
+              <a:rPr lang="ko-KR" altLang="en-US"/>
               <a:t>마스터 텍스트 스타일 편집</a:t>
             </a:r>
           </a:p>
           <a:p>
             <a:pPr lvl="1"/>
             <a:r>
-              <a:rPr lang="ko-KR" altLang="en-US" smtClean="0"/>
+              <a:rPr lang="ko-KR" altLang="en-US"/>
               <a:t>둘째 수준</a:t>
             </a:r>
           </a:p>
           <a:p>
             <a:pPr lvl="2"/>
             <a:r>
-              <a:rPr lang="ko-KR" altLang="en-US" smtClean="0"/>
+              <a:rPr lang="ko-KR" altLang="en-US"/>
               <a:t>셋째 수준</a:t>
             </a:r>
           </a:p>
           <a:p>
             <a:pPr lvl="3"/>
             <a:r>
-              <a:rPr lang="ko-KR" altLang="en-US" smtClean="0"/>
+              <a:rPr lang="ko-KR" altLang="en-US"/>
               <a:t>넷째 수준</a:t>
             </a:r>
           </a:p>
           <a:p>
             <a:pPr lvl="4"/>
             <a:r>
-              <a:rPr lang="ko-KR" altLang="en-US" smtClean="0"/>
+              <a:rPr lang="ko-KR" altLang="en-US"/>
               <a:t>다섯째 수준</a:t>
             </a:r>
             <a:endParaRPr lang="en-US" dirty="0"/>
@@ -778,7 +781,7 @@
           <a:p>
             <a:fld id="{C94A71AF-5BAD-43A7-B6A4-3CF4FC5276AB}" type="datetimeFigureOut">
               <a:rPr lang="ko-KR" altLang="en-US" smtClean="0"/>
-              <a:t>2020-09-15</a:t>
+              <a:t>2020-09-16</a:t>
             </a:fld>
             <a:endParaRPr lang="ko-KR" altLang="en-US"/>
           </a:p>
@@ -881,7 +884,7 @@
           </a:lstStyle>
           <a:p>
             <a:r>
-              <a:rPr lang="ko-KR" altLang="en-US" smtClean="0"/>
+              <a:rPr lang="ko-KR" altLang="en-US"/>
               <a:t>마스터 제목 스타일 편집</a:t>
             </a:r>
             <a:endParaRPr lang="en-US" dirty="0"/>
@@ -999,7 +1002,7 @@
           <a:p>
             <a:pPr lvl="0"/>
             <a:r>
-              <a:rPr lang="ko-KR" altLang="en-US" smtClean="0"/>
+              <a:rPr lang="ko-KR" altLang="en-US"/>
               <a:t>마스터 텍스트 스타일 편집</a:t>
             </a:r>
           </a:p>
@@ -1022,7 +1025,7 @@
           <a:p>
             <a:fld id="{C94A71AF-5BAD-43A7-B6A4-3CF4FC5276AB}" type="datetimeFigureOut">
               <a:rPr lang="ko-KR" altLang="en-US" smtClean="0"/>
-              <a:t>2020-09-15</a:t>
+              <a:t>2020-09-16</a:t>
             </a:fld>
             <a:endParaRPr lang="ko-KR" altLang="en-US"/>
           </a:p>
@@ -1116,7 +1119,7 @@
           <a:lstStyle/>
           <a:p>
             <a:r>
-              <a:rPr lang="ko-KR" altLang="en-US" smtClean="0"/>
+              <a:rPr lang="ko-KR" altLang="en-US"/>
               <a:t>마스터 제목 스타일 편집</a:t>
             </a:r>
             <a:endParaRPr lang="en-US" dirty="0"/>
@@ -1145,35 +1148,35 @@
           <a:p>
             <a:pPr lvl="0"/>
             <a:r>
-              <a:rPr lang="ko-KR" altLang="en-US" smtClean="0"/>
+              <a:rPr lang="ko-KR" altLang="en-US"/>
               <a:t>마스터 텍스트 스타일 편집</a:t>
             </a:r>
           </a:p>
           <a:p>
             <a:pPr lvl="1"/>
             <a:r>
-              <a:rPr lang="ko-KR" altLang="en-US" smtClean="0"/>
+              <a:rPr lang="ko-KR" altLang="en-US"/>
               <a:t>둘째 수준</a:t>
             </a:r>
           </a:p>
           <a:p>
             <a:pPr lvl="2"/>
             <a:r>
-              <a:rPr lang="ko-KR" altLang="en-US" smtClean="0"/>
+              <a:rPr lang="ko-KR" altLang="en-US"/>
               <a:t>셋째 수준</a:t>
             </a:r>
           </a:p>
           <a:p>
             <a:pPr lvl="3"/>
             <a:r>
-              <a:rPr lang="ko-KR" altLang="en-US" smtClean="0"/>
+              <a:rPr lang="ko-KR" altLang="en-US"/>
               <a:t>넷째 수준</a:t>
             </a:r>
           </a:p>
           <a:p>
             <a:pPr lvl="4"/>
             <a:r>
-              <a:rPr lang="ko-KR" altLang="en-US" smtClean="0"/>
+              <a:rPr lang="ko-KR" altLang="en-US"/>
               <a:t>다섯째 수준</a:t>
             </a:r>
             <a:endParaRPr lang="en-US" dirty="0"/>
@@ -1202,35 +1205,35 @@
           <a:p>
             <a:pPr lvl="0"/>
             <a:r>
-              <a:rPr lang="ko-KR" altLang="en-US" smtClean="0"/>
+              <a:rPr lang="ko-KR" altLang="en-US"/>
               <a:t>마스터 텍스트 스타일 편집</a:t>
             </a:r>
           </a:p>
           <a:p>
             <a:pPr lvl="1"/>
             <a:r>
-              <a:rPr lang="ko-KR" altLang="en-US" smtClean="0"/>
+              <a:rPr lang="ko-KR" altLang="en-US"/>
               <a:t>둘째 수준</a:t>
             </a:r>
           </a:p>
           <a:p>
             <a:pPr lvl="2"/>
             <a:r>
-              <a:rPr lang="ko-KR" altLang="en-US" smtClean="0"/>
+              <a:rPr lang="ko-KR" altLang="en-US"/>
               <a:t>셋째 수준</a:t>
             </a:r>
           </a:p>
           <a:p>
             <a:pPr lvl="3"/>
             <a:r>
-              <a:rPr lang="ko-KR" altLang="en-US" smtClean="0"/>
+              <a:rPr lang="ko-KR" altLang="en-US"/>
               <a:t>넷째 수준</a:t>
             </a:r>
           </a:p>
           <a:p>
             <a:pPr lvl="4"/>
             <a:r>
-              <a:rPr lang="ko-KR" altLang="en-US" smtClean="0"/>
+              <a:rPr lang="ko-KR" altLang="en-US"/>
               <a:t>다섯째 수준</a:t>
             </a:r>
             <a:endParaRPr lang="en-US" dirty="0"/>
@@ -1254,7 +1257,7 @@
           <a:p>
             <a:fld id="{C94A71AF-5BAD-43A7-B6A4-3CF4FC5276AB}" type="datetimeFigureOut">
               <a:rPr lang="ko-KR" altLang="en-US" smtClean="0"/>
-              <a:t>2020-09-15</a:t>
+              <a:t>2020-09-16</a:t>
             </a:fld>
             <a:endParaRPr lang="ko-KR" altLang="en-US"/>
           </a:p>
@@ -1353,7 +1356,7 @@
           <a:lstStyle/>
           <a:p>
             <a:r>
-              <a:rPr lang="ko-KR" altLang="en-US" smtClean="0"/>
+              <a:rPr lang="ko-KR" altLang="en-US"/>
               <a:t>마스터 제목 스타일 편집</a:t>
             </a:r>
             <a:endParaRPr lang="en-US" dirty="0"/>
@@ -1419,7 +1422,7 @@
           <a:p>
             <a:pPr lvl="0"/>
             <a:r>
-              <a:rPr lang="ko-KR" altLang="en-US" smtClean="0"/>
+              <a:rPr lang="ko-KR" altLang="en-US"/>
               <a:t>마스터 텍스트 스타일 편집</a:t>
             </a:r>
           </a:p>
@@ -1447,35 +1450,35 @@
           <a:p>
             <a:pPr lvl="0"/>
             <a:r>
-              <a:rPr lang="ko-KR" altLang="en-US" smtClean="0"/>
+              <a:rPr lang="ko-KR" altLang="en-US"/>
               <a:t>마스터 텍스트 스타일 편집</a:t>
             </a:r>
           </a:p>
           <a:p>
             <a:pPr lvl="1"/>
             <a:r>
-              <a:rPr lang="ko-KR" altLang="en-US" smtClean="0"/>
+              <a:rPr lang="ko-KR" altLang="en-US"/>
               <a:t>둘째 수준</a:t>
             </a:r>
           </a:p>
           <a:p>
             <a:pPr lvl="2"/>
             <a:r>
-              <a:rPr lang="ko-KR" altLang="en-US" smtClean="0"/>
+              <a:rPr lang="ko-KR" altLang="en-US"/>
               <a:t>셋째 수준</a:t>
             </a:r>
           </a:p>
           <a:p>
             <a:pPr lvl="3"/>
             <a:r>
-              <a:rPr lang="ko-KR" altLang="en-US" smtClean="0"/>
+              <a:rPr lang="ko-KR" altLang="en-US"/>
               <a:t>넷째 수준</a:t>
             </a:r>
           </a:p>
           <a:p>
             <a:pPr lvl="4"/>
             <a:r>
-              <a:rPr lang="ko-KR" altLang="en-US" smtClean="0"/>
+              <a:rPr lang="ko-KR" altLang="en-US"/>
               <a:t>다섯째 수준</a:t>
             </a:r>
             <a:endParaRPr lang="en-US" dirty="0"/>
@@ -1541,7 +1544,7 @@
           <a:p>
             <a:pPr lvl="0"/>
             <a:r>
-              <a:rPr lang="ko-KR" altLang="en-US" smtClean="0"/>
+              <a:rPr lang="ko-KR" altLang="en-US"/>
               <a:t>마스터 텍스트 스타일 편집</a:t>
             </a:r>
           </a:p>
@@ -1569,35 +1572,35 @@
           <a:p>
             <a:pPr lvl="0"/>
             <a:r>
-              <a:rPr lang="ko-KR" altLang="en-US" smtClean="0"/>
+              <a:rPr lang="ko-KR" altLang="en-US"/>
               <a:t>마스터 텍스트 스타일 편집</a:t>
             </a:r>
           </a:p>
           <a:p>
             <a:pPr lvl="1"/>
             <a:r>
-              <a:rPr lang="ko-KR" altLang="en-US" smtClean="0"/>
+              <a:rPr lang="ko-KR" altLang="en-US"/>
               <a:t>둘째 수준</a:t>
             </a:r>
           </a:p>
           <a:p>
             <a:pPr lvl="2"/>
             <a:r>
-              <a:rPr lang="ko-KR" altLang="en-US" smtClean="0"/>
+              <a:rPr lang="ko-KR" altLang="en-US"/>
               <a:t>셋째 수준</a:t>
             </a:r>
           </a:p>
           <a:p>
             <a:pPr lvl="3"/>
             <a:r>
-              <a:rPr lang="ko-KR" altLang="en-US" smtClean="0"/>
+              <a:rPr lang="ko-KR" altLang="en-US"/>
               <a:t>넷째 수준</a:t>
             </a:r>
           </a:p>
           <a:p>
             <a:pPr lvl="4"/>
             <a:r>
-              <a:rPr lang="ko-KR" altLang="en-US" smtClean="0"/>
+              <a:rPr lang="ko-KR" altLang="en-US"/>
               <a:t>다섯째 수준</a:t>
             </a:r>
             <a:endParaRPr lang="en-US" dirty="0"/>
@@ -1621,7 +1624,7 @@
           <a:p>
             <a:fld id="{C94A71AF-5BAD-43A7-B6A4-3CF4FC5276AB}" type="datetimeFigureOut">
               <a:rPr lang="ko-KR" altLang="en-US" smtClean="0"/>
-              <a:t>2020-09-15</a:t>
+              <a:t>2020-09-16</a:t>
             </a:fld>
             <a:endParaRPr lang="ko-KR" altLang="en-US"/>
           </a:p>
@@ -1715,7 +1718,7 @@
           <a:lstStyle/>
           <a:p>
             <a:r>
-              <a:rPr lang="ko-KR" altLang="en-US" smtClean="0"/>
+              <a:rPr lang="ko-KR" altLang="en-US"/>
               <a:t>마스터 제목 스타일 편집</a:t>
             </a:r>
             <a:endParaRPr lang="en-US" dirty="0"/>
@@ -1739,7 +1742,7 @@
           <a:p>
             <a:fld id="{C94A71AF-5BAD-43A7-B6A4-3CF4FC5276AB}" type="datetimeFigureOut">
               <a:rPr lang="ko-KR" altLang="en-US" smtClean="0"/>
-              <a:t>2020-09-15</a:t>
+              <a:t>2020-09-16</a:t>
             </a:fld>
             <a:endParaRPr lang="ko-KR" altLang="en-US"/>
           </a:p>
@@ -1834,7 +1837,7 @@
           <a:p>
             <a:fld id="{C94A71AF-5BAD-43A7-B6A4-3CF4FC5276AB}" type="datetimeFigureOut">
               <a:rPr lang="ko-KR" altLang="en-US" smtClean="0"/>
-              <a:t>2020-09-15</a:t>
+              <a:t>2020-09-16</a:t>
             </a:fld>
             <a:endParaRPr lang="ko-KR" altLang="en-US"/>
           </a:p>
@@ -1937,7 +1940,7 @@
           </a:lstStyle>
           <a:p>
             <a:r>
-              <a:rPr lang="ko-KR" altLang="en-US" smtClean="0"/>
+              <a:rPr lang="ko-KR" altLang="en-US"/>
               <a:t>마스터 제목 스타일 편집</a:t>
             </a:r>
             <a:endParaRPr lang="en-US" dirty="0"/>
@@ -1994,35 +1997,35 @@
           <a:p>
             <a:pPr lvl="0"/>
             <a:r>
-              <a:rPr lang="ko-KR" altLang="en-US" smtClean="0"/>
+              <a:rPr lang="ko-KR" altLang="en-US"/>
               <a:t>마스터 텍스트 스타일 편집</a:t>
             </a:r>
           </a:p>
           <a:p>
             <a:pPr lvl="1"/>
             <a:r>
-              <a:rPr lang="ko-KR" altLang="en-US" smtClean="0"/>
+              <a:rPr lang="ko-KR" altLang="en-US"/>
               <a:t>둘째 수준</a:t>
             </a:r>
           </a:p>
           <a:p>
             <a:pPr lvl="2"/>
             <a:r>
-              <a:rPr lang="ko-KR" altLang="en-US" smtClean="0"/>
+              <a:rPr lang="ko-KR" altLang="en-US"/>
               <a:t>셋째 수준</a:t>
             </a:r>
           </a:p>
           <a:p>
             <a:pPr lvl="3"/>
             <a:r>
-              <a:rPr lang="ko-KR" altLang="en-US" smtClean="0"/>
+              <a:rPr lang="ko-KR" altLang="en-US"/>
               <a:t>넷째 수준</a:t>
             </a:r>
           </a:p>
           <a:p>
             <a:pPr lvl="4"/>
             <a:r>
-              <a:rPr lang="ko-KR" altLang="en-US" smtClean="0"/>
+              <a:rPr lang="ko-KR" altLang="en-US"/>
               <a:t>다섯째 수준</a:t>
             </a:r>
             <a:endParaRPr lang="en-US" dirty="0"/>
@@ -2088,7 +2091,7 @@
           <a:p>
             <a:pPr lvl="0"/>
             <a:r>
-              <a:rPr lang="ko-KR" altLang="en-US" smtClean="0"/>
+              <a:rPr lang="ko-KR" altLang="en-US"/>
               <a:t>마스터 텍스트 스타일 편집</a:t>
             </a:r>
           </a:p>
@@ -2111,7 +2114,7 @@
           <a:p>
             <a:fld id="{C94A71AF-5BAD-43A7-B6A4-3CF4FC5276AB}" type="datetimeFigureOut">
               <a:rPr lang="ko-KR" altLang="en-US" smtClean="0"/>
-              <a:t>2020-09-15</a:t>
+              <a:t>2020-09-16</a:t>
             </a:fld>
             <a:endParaRPr lang="ko-KR" altLang="en-US"/>
           </a:p>
@@ -2214,7 +2217,7 @@
           </a:lstStyle>
           <a:p>
             <a:r>
-              <a:rPr lang="ko-KR" altLang="en-US" smtClean="0"/>
+              <a:rPr lang="ko-KR" altLang="en-US"/>
               <a:t>마스터 제목 스타일 편집</a:t>
             </a:r>
             <a:endParaRPr lang="en-US" dirty="0"/>
@@ -2279,7 +2282,7 @@
           </a:lstStyle>
           <a:p>
             <a:r>
-              <a:rPr lang="ko-KR" altLang="en-US" smtClean="0"/>
+              <a:rPr lang="ko-KR" altLang="en-US"/>
               <a:t>그림을 추가하려면 아이콘을 클릭하십시오</a:t>
             </a:r>
             <a:endParaRPr lang="en-US" dirty="0"/>
@@ -2345,7 +2348,7 @@
           <a:p>
             <a:pPr lvl="0"/>
             <a:r>
-              <a:rPr lang="ko-KR" altLang="en-US" smtClean="0"/>
+              <a:rPr lang="ko-KR" altLang="en-US"/>
               <a:t>마스터 텍스트 스타일 편집</a:t>
             </a:r>
           </a:p>
@@ -2368,7 +2371,7 @@
           <a:p>
             <a:fld id="{C94A71AF-5BAD-43A7-B6A4-3CF4FC5276AB}" type="datetimeFigureOut">
               <a:rPr lang="ko-KR" altLang="en-US" smtClean="0"/>
-              <a:t>2020-09-15</a:t>
+              <a:t>2020-09-16</a:t>
             </a:fld>
             <a:endParaRPr lang="ko-KR" altLang="en-US"/>
           </a:p>
@@ -2477,7 +2480,7 @@
           <a:lstStyle/>
           <a:p>
             <a:r>
-              <a:rPr lang="ko-KR" altLang="en-US" smtClean="0"/>
+              <a:rPr lang="ko-KR" altLang="en-US"/>
               <a:t>마스터 제목 스타일 편집</a:t>
             </a:r>
             <a:endParaRPr lang="en-US" dirty="0"/>
@@ -2511,35 +2514,35 @@
           <a:p>
             <a:pPr lvl="0"/>
             <a:r>
-              <a:rPr lang="ko-KR" altLang="en-US" smtClean="0"/>
+              <a:rPr lang="ko-KR" altLang="en-US"/>
               <a:t>마스터 텍스트 스타일 편집</a:t>
             </a:r>
           </a:p>
           <a:p>
             <a:pPr lvl="1"/>
             <a:r>
-              <a:rPr lang="ko-KR" altLang="en-US" smtClean="0"/>
+              <a:rPr lang="ko-KR" altLang="en-US"/>
               <a:t>둘째 수준</a:t>
             </a:r>
           </a:p>
           <a:p>
             <a:pPr lvl="2"/>
             <a:r>
-              <a:rPr lang="ko-KR" altLang="en-US" smtClean="0"/>
+              <a:rPr lang="ko-KR" altLang="en-US"/>
               <a:t>셋째 수준</a:t>
             </a:r>
           </a:p>
           <a:p>
             <a:pPr lvl="3"/>
             <a:r>
-              <a:rPr lang="ko-KR" altLang="en-US" smtClean="0"/>
+              <a:rPr lang="ko-KR" altLang="en-US"/>
               <a:t>넷째 수준</a:t>
             </a:r>
           </a:p>
           <a:p>
             <a:pPr lvl="4"/>
             <a:r>
-              <a:rPr lang="ko-KR" altLang="en-US" smtClean="0"/>
+              <a:rPr lang="ko-KR" altLang="en-US"/>
               <a:t>다섯째 수준</a:t>
             </a:r>
             <a:endParaRPr lang="en-US" dirty="0"/>
@@ -2581,7 +2584,7 @@
           <a:p>
             <a:fld id="{C94A71AF-5BAD-43A7-B6A4-3CF4FC5276AB}" type="datetimeFigureOut">
               <a:rPr lang="ko-KR" altLang="en-US" smtClean="0"/>
-              <a:t>2020-09-15</a:t>
+              <a:t>2020-09-16</a:t>
             </a:fld>
             <a:endParaRPr lang="ko-KR" altLang="en-US"/>
           </a:p>
@@ -2988,7 +2991,13 @@
       </p:grpSpPr>
       <p:pic>
         <p:nvPicPr>
-          <p:cNvPr id="4" name="그림 3"/>
+          <p:cNvPr id="27" name="그림 26" descr="스크린샷, 그리기이(가) 표시된 사진&#10;&#10;자동 생성된 설명">
+            <a:extLst>
+              <a:ext uri="{FF2B5EF4-FFF2-40B4-BE49-F238E27FC236}">
+                <a16:creationId xmlns:a16="http://schemas.microsoft.com/office/drawing/2014/main" id="{AE37EC5B-1838-4BE8-9FAD-3EAEF7C693D8}"/>
+              </a:ext>
+            </a:extLst>
+          </p:cNvPr>
           <p:cNvPicPr>
             <a:picLocks noChangeAspect="1"/>
           </p:cNvPicPr>
@@ -3008,8 +3017,8 @@
         </p:blipFill>
         <p:spPr>
           <a:xfrm>
-            <a:off x="1612003" y="477905"/>
-            <a:ext cx="3819525" cy="5372100"/>
+            <a:off x="471486" y="274320"/>
+            <a:ext cx="5915025" cy="5372100"/>
           </a:xfrm>
           <a:prstGeom prst="rect">
             <a:avLst/>
@@ -3018,7 +3027,13 @@
       </p:pic>
       <p:pic>
         <p:nvPicPr>
-          <p:cNvPr id="15" name="그림 14"/>
+          <p:cNvPr id="31" name="그림 30" descr="스크린샷이(가) 표시된 사진&#10;&#10;자동 생성된 설명">
+            <a:extLst>
+              <a:ext uri="{FF2B5EF4-FFF2-40B4-BE49-F238E27FC236}">
+                <a16:creationId xmlns:a16="http://schemas.microsoft.com/office/drawing/2014/main" id="{74C036B9-9C13-4868-8202-0BA3611F8167}"/>
+              </a:ext>
+            </a:extLst>
+          </p:cNvPr>
           <p:cNvPicPr>
             <a:picLocks noChangeAspect="1"/>
           </p:cNvPicPr>
@@ -3038,8 +3053,8 @@
         </p:blipFill>
         <p:spPr>
           <a:xfrm>
-            <a:off x="272497" y="6069702"/>
-            <a:ext cx="6286500" cy="3438525"/>
+            <a:off x="471486" y="6002655"/>
+            <a:ext cx="5915025" cy="3629025"/>
           </a:xfrm>
           <a:prstGeom prst="rect">
             <a:avLst/>
@@ -3049,7 +3064,7 @@
     </p:spTree>
     <p:extLst>
       <p:ext uri="{BB962C8B-B14F-4D97-AF65-F5344CB8AC3E}">
-        <p14:creationId xmlns:p14="http://schemas.microsoft.com/office/powerpoint/2010/main" val="1394004525"/>
+        <p14:creationId xmlns:p14="http://schemas.microsoft.com/office/powerpoint/2010/main" val="696204271"/>
       </p:ext>
     </p:extLst>
   </p:cSld>
@@ -3078,7 +3093,13 @@
       </p:grpSpPr>
       <p:pic>
         <p:nvPicPr>
-          <p:cNvPr id="3" name="그림 2"/>
+          <p:cNvPr id="3" name="그림 2" descr="스크린샷, 그리기이(가) 표시된 사진&#10;&#10;자동 생성된 설명">
+            <a:extLst>
+              <a:ext uri="{FF2B5EF4-FFF2-40B4-BE49-F238E27FC236}">
+                <a16:creationId xmlns:a16="http://schemas.microsoft.com/office/drawing/2014/main" id="{69DDAFD7-1C1B-425D-B5CD-50EC6027232F}"/>
+              </a:ext>
+            </a:extLst>
+          </p:cNvPr>
           <p:cNvPicPr>
             <a:picLocks noChangeAspect="1"/>
           </p:cNvPicPr>
@@ -3098,8 +3119,8 @@
         </p:blipFill>
         <p:spPr>
           <a:xfrm>
-            <a:off x="1185862" y="394046"/>
-            <a:ext cx="4486275" cy="2123868"/>
+            <a:off x="471486" y="173356"/>
+            <a:ext cx="5915025" cy="2200275"/>
           </a:xfrm>
           <a:prstGeom prst="rect">
             <a:avLst/>
@@ -3108,7 +3129,13 @@
       </p:pic>
       <p:pic>
         <p:nvPicPr>
-          <p:cNvPr id="6" name="그림 5"/>
+          <p:cNvPr id="5" name="그림 4" descr="그리기이(가) 표시된 사진&#10;&#10;자동 생성된 설명">
+            <a:extLst>
+              <a:ext uri="{FF2B5EF4-FFF2-40B4-BE49-F238E27FC236}">
+                <a16:creationId xmlns:a16="http://schemas.microsoft.com/office/drawing/2014/main" id="{3DF58395-F4B1-4150-9FC7-873E1300A619}"/>
+              </a:ext>
+            </a:extLst>
+          </p:cNvPr>
           <p:cNvPicPr>
             <a:picLocks noChangeAspect="1"/>
           </p:cNvPicPr>
@@ -3128,38 +3155,8 @@
         </p:blipFill>
         <p:spPr>
           <a:xfrm>
-            <a:off x="471487" y="2810703"/>
-            <a:ext cx="5915025" cy="3802132"/>
-          </a:xfrm>
-          <a:prstGeom prst="rect">
-            <a:avLst/>
-          </a:prstGeom>
-        </p:spPr>
-      </p:pic>
-      <p:pic>
-        <p:nvPicPr>
-          <p:cNvPr id="7" name="그림 6"/>
-          <p:cNvPicPr>
-            <a:picLocks noChangeAspect="1"/>
-          </p:cNvPicPr>
-          <p:nvPr/>
-        </p:nvPicPr>
-        <p:blipFill>
-          <a:blip r:embed="rId4">
-            <a:extLst>
-              <a:ext uri="{28A0092B-C50C-407E-A947-70E740481C1C}">
-                <a14:useLocalDpi xmlns:a14="http://schemas.microsoft.com/office/drawing/2010/main" val="0"/>
-              </a:ext>
-            </a:extLst>
-          </a:blip>
-          <a:stretch>
-            <a:fillRect/>
-          </a:stretch>
-        </p:blipFill>
-        <p:spPr>
-          <a:xfrm>
-            <a:off x="1328736" y="6905624"/>
-            <a:ext cx="4200525" cy="2874065"/>
+            <a:off x="471486" y="2550794"/>
+            <a:ext cx="5915025" cy="7181850"/>
           </a:xfrm>
           <a:prstGeom prst="rect">
             <a:avLst/>
@@ -3169,7 +3166,7 @@
     </p:spTree>
     <p:extLst>
       <p:ext uri="{BB962C8B-B14F-4D97-AF65-F5344CB8AC3E}">
-        <p14:creationId xmlns:p14="http://schemas.microsoft.com/office/powerpoint/2010/main" val="1911450337"/>
+        <p14:creationId xmlns:p14="http://schemas.microsoft.com/office/powerpoint/2010/main" val="3035716736"/>
       </p:ext>
     </p:extLst>
   </p:cSld>
@@ -3198,7 +3195,13 @@
       </p:grpSpPr>
       <p:pic>
         <p:nvPicPr>
-          <p:cNvPr id="4" name="그림 3"/>
+          <p:cNvPr id="3" name="그림 2">
+            <a:extLst>
+              <a:ext uri="{FF2B5EF4-FFF2-40B4-BE49-F238E27FC236}">
+                <a16:creationId xmlns:a16="http://schemas.microsoft.com/office/drawing/2014/main" id="{5E77E85D-3B58-4CC5-9EC3-8BAC38A78516}"/>
+              </a:ext>
+            </a:extLst>
+          </p:cNvPr>
           <p:cNvPicPr>
             <a:picLocks noChangeAspect="1"/>
           </p:cNvPicPr>
@@ -3218,8 +3221,8 @@
         </p:blipFill>
         <p:spPr>
           <a:xfrm>
-            <a:off x="280572" y="222389"/>
-            <a:ext cx="2771775" cy="7181850"/>
+            <a:off x="514349" y="5248003"/>
+            <a:ext cx="5915025" cy="3276600"/>
           </a:xfrm>
           <a:prstGeom prst="rect">
             <a:avLst/>
@@ -3228,7 +3231,13 @@
       </p:pic>
       <p:pic>
         <p:nvPicPr>
-          <p:cNvPr id="7" name="그림 6"/>
+          <p:cNvPr id="5" name="그림 4">
+            <a:extLst>
+              <a:ext uri="{FF2B5EF4-FFF2-40B4-BE49-F238E27FC236}">
+                <a16:creationId xmlns:a16="http://schemas.microsoft.com/office/drawing/2014/main" id="{EB013618-7D24-42FA-A8B6-61C4B799CF13}"/>
+              </a:ext>
+            </a:extLst>
+          </p:cNvPr>
           <p:cNvPicPr>
             <a:picLocks noChangeAspect="1"/>
           </p:cNvPicPr>
@@ -3248,8 +3257,8 @@
         </p:blipFill>
         <p:spPr>
           <a:xfrm>
-            <a:off x="3788877" y="222389"/>
-            <a:ext cx="2676525" cy="5657850"/>
+            <a:off x="471487" y="526597"/>
+            <a:ext cx="6000750" cy="4019550"/>
           </a:xfrm>
           <a:prstGeom prst="rect">
             <a:avLst/>
@@ -3259,7 +3268,7 @@
     </p:spTree>
     <p:extLst>
       <p:ext uri="{BB962C8B-B14F-4D97-AF65-F5344CB8AC3E}">
-        <p14:creationId xmlns:p14="http://schemas.microsoft.com/office/powerpoint/2010/main" val="695400161"/>
+        <p14:creationId xmlns:p14="http://schemas.microsoft.com/office/powerpoint/2010/main" val="416858532"/>
       </p:ext>
     </p:extLst>
   </p:cSld>
@@ -3288,7 +3297,13 @@
       </p:grpSpPr>
       <p:pic>
         <p:nvPicPr>
-          <p:cNvPr id="2" name="그림 1"/>
+          <p:cNvPr id="27" name="그림 26">
+            <a:extLst>
+              <a:ext uri="{FF2B5EF4-FFF2-40B4-BE49-F238E27FC236}">
+                <a16:creationId xmlns:a16="http://schemas.microsoft.com/office/drawing/2014/main" id="{254AB8AA-1C38-41F0-923D-822D65EA7CBD}"/>
+              </a:ext>
+            </a:extLst>
+          </p:cNvPr>
           <p:cNvPicPr>
             <a:picLocks noChangeAspect="1"/>
           </p:cNvPicPr>
@@ -3308,68 +3323,8 @@
         </p:blipFill>
         <p:spPr>
           <a:xfrm>
-            <a:off x="4164997" y="159026"/>
-            <a:ext cx="2473099" cy="4691270"/>
-          </a:xfrm>
-          <a:prstGeom prst="rect">
-            <a:avLst/>
-          </a:prstGeom>
-        </p:spPr>
-      </p:pic>
-      <p:pic>
-        <p:nvPicPr>
-          <p:cNvPr id="3" name="그림 2"/>
-          <p:cNvPicPr>
-            <a:picLocks noChangeAspect="1"/>
-          </p:cNvPicPr>
-          <p:nvPr/>
-        </p:nvPicPr>
-        <p:blipFill>
-          <a:blip r:embed="rId3">
-            <a:extLst>
-              <a:ext uri="{28A0092B-C50C-407E-A947-70E740481C1C}">
-                <a14:useLocalDpi xmlns:a14="http://schemas.microsoft.com/office/drawing/2010/main" val="0"/>
-              </a:ext>
-            </a:extLst>
-          </a:blip>
-          <a:stretch>
-            <a:fillRect/>
-          </a:stretch>
-        </p:blipFill>
-        <p:spPr>
-          <a:xfrm>
-            <a:off x="4164997" y="5102087"/>
-            <a:ext cx="2473098" cy="4611756"/>
-          </a:xfrm>
-          <a:prstGeom prst="rect">
-            <a:avLst/>
-          </a:prstGeom>
-        </p:spPr>
-      </p:pic>
-      <p:pic>
-        <p:nvPicPr>
-          <p:cNvPr id="8" name="그림 7"/>
-          <p:cNvPicPr>
-            <a:picLocks noChangeAspect="1"/>
-          </p:cNvPicPr>
-          <p:nvPr/>
-        </p:nvPicPr>
-        <p:blipFill>
-          <a:blip r:embed="rId4">
-            <a:extLst>
-              <a:ext uri="{28A0092B-C50C-407E-A947-70E740481C1C}">
-                <a14:useLocalDpi xmlns:a14="http://schemas.microsoft.com/office/drawing/2010/main" val="0"/>
-              </a:ext>
-            </a:extLst>
-          </a:blip>
-          <a:stretch>
-            <a:fillRect/>
-          </a:stretch>
-        </p:blipFill>
-        <p:spPr>
-          <a:xfrm>
-            <a:off x="159140" y="159026"/>
-            <a:ext cx="3227435" cy="9554817"/>
+            <a:off x="1265540" y="0"/>
+            <a:ext cx="4326919" cy="9906000"/>
           </a:xfrm>
           <a:prstGeom prst="rect">
             <a:avLst/>
@@ -3379,7 +3334,7 @@
     </p:spTree>
     <p:extLst>
       <p:ext uri="{BB962C8B-B14F-4D97-AF65-F5344CB8AC3E}">
-        <p14:creationId xmlns:p14="http://schemas.microsoft.com/office/powerpoint/2010/main" val="2203073169"/>
+        <p14:creationId xmlns:p14="http://schemas.microsoft.com/office/powerpoint/2010/main" val="699652178"/>
       </p:ext>
     </p:extLst>
   </p:cSld>
@@ -3408,7 +3363,13 @@
       </p:grpSpPr>
       <p:pic>
         <p:nvPicPr>
-          <p:cNvPr id="4" name="그림 3"/>
+          <p:cNvPr id="3" name="그림 2" descr="그리기이(가) 표시된 사진&#10;&#10;자동 생성된 설명">
+            <a:extLst>
+              <a:ext uri="{FF2B5EF4-FFF2-40B4-BE49-F238E27FC236}">
+                <a16:creationId xmlns:a16="http://schemas.microsoft.com/office/drawing/2014/main" id="{5AA12602-D00E-48B6-A858-EAD565D10DD7}"/>
+              </a:ext>
+            </a:extLst>
+          </p:cNvPr>
           <p:cNvPicPr>
             <a:picLocks noChangeAspect="1"/>
           </p:cNvPicPr>
@@ -3428,8 +3389,8 @@
         </p:blipFill>
         <p:spPr>
           <a:xfrm>
-            <a:off x="1905973" y="92764"/>
-            <a:ext cx="3046053" cy="9713845"/>
+            <a:off x="466725" y="125458"/>
+            <a:ext cx="5924550" cy="5657850"/>
           </a:xfrm>
           <a:prstGeom prst="rect">
             <a:avLst/>
@@ -3439,7 +3400,205 @@
     </p:spTree>
     <p:extLst>
       <p:ext uri="{BB962C8B-B14F-4D97-AF65-F5344CB8AC3E}">
-        <p14:creationId xmlns:p14="http://schemas.microsoft.com/office/powerpoint/2010/main" val="992407119"/>
+        <p14:creationId xmlns:p14="http://schemas.microsoft.com/office/powerpoint/2010/main" val="1462786117"/>
+      </p:ext>
+    </p:extLst>
+  </p:cSld>
+  <p:clrMapOvr>
+    <a:masterClrMapping/>
+  </p:clrMapOvr>
+</p:sld>
+</file>
+
+<file path=ppt/slides/slide6.xml><?xml version="1.0" encoding="utf-8"?>
+<p:sld xmlns:a="http://schemas.openxmlformats.org/drawingml/2006/main" xmlns:r="http://schemas.openxmlformats.org/officeDocument/2006/relationships" xmlns:p="http://schemas.openxmlformats.org/presentationml/2006/main">
+  <p:cSld>
+    <p:spTree>
+      <p:nvGrpSpPr>
+        <p:cNvPr id="1" name=""/>
+        <p:cNvGrpSpPr/>
+        <p:nvPr/>
+      </p:nvGrpSpPr>
+      <p:grpSpPr>
+        <a:xfrm>
+          <a:off x="0" y="0"/>
+          <a:ext cx="0" cy="0"/>
+          <a:chOff x="0" y="0"/>
+          <a:chExt cx="0" cy="0"/>
+        </a:xfrm>
+      </p:grpSpPr>
+      <p:pic>
+        <p:nvPicPr>
+          <p:cNvPr id="6" name="그림 5">
+            <a:extLst>
+              <a:ext uri="{FF2B5EF4-FFF2-40B4-BE49-F238E27FC236}">
+                <a16:creationId xmlns:a16="http://schemas.microsoft.com/office/drawing/2014/main" id="{825457E7-E189-4EF3-96C9-58EC0464B48A}"/>
+              </a:ext>
+            </a:extLst>
+          </p:cNvPr>
+          <p:cNvPicPr>
+            <a:picLocks noChangeAspect="1"/>
+          </p:cNvPicPr>
+          <p:nvPr/>
+        </p:nvPicPr>
+        <p:blipFill>
+          <a:blip r:embed="rId2">
+            <a:extLst>
+              <a:ext uri="{28A0092B-C50C-407E-A947-70E740481C1C}">
+                <a14:useLocalDpi xmlns:a14="http://schemas.microsoft.com/office/drawing/2010/main" val="0"/>
+              </a:ext>
+            </a:extLst>
+          </a:blip>
+          <a:stretch>
+            <a:fillRect/>
+          </a:stretch>
+        </p:blipFill>
+        <p:spPr>
+          <a:xfrm>
+            <a:off x="466725" y="267517"/>
+            <a:ext cx="5924550" cy="5086350"/>
+          </a:xfrm>
+          <a:prstGeom prst="rect">
+            <a:avLst/>
+          </a:prstGeom>
+        </p:spPr>
+      </p:pic>
+    </p:spTree>
+    <p:extLst>
+      <p:ext uri="{BB962C8B-B14F-4D97-AF65-F5344CB8AC3E}">
+        <p14:creationId xmlns:p14="http://schemas.microsoft.com/office/powerpoint/2010/main" val="1553975000"/>
+      </p:ext>
+    </p:extLst>
+  </p:cSld>
+  <p:clrMapOvr>
+    <a:masterClrMapping/>
+  </p:clrMapOvr>
+</p:sld>
+</file>
+
+<file path=ppt/slides/slide7.xml><?xml version="1.0" encoding="utf-8"?>
+<p:sld xmlns:a="http://schemas.openxmlformats.org/drawingml/2006/main" xmlns:r="http://schemas.openxmlformats.org/officeDocument/2006/relationships" xmlns:p="http://schemas.openxmlformats.org/presentationml/2006/main">
+  <p:cSld>
+    <p:spTree>
+      <p:nvGrpSpPr>
+        <p:cNvPr id="1" name=""/>
+        <p:cNvGrpSpPr/>
+        <p:nvPr/>
+      </p:nvGrpSpPr>
+      <p:grpSpPr>
+        <a:xfrm>
+          <a:off x="0" y="0"/>
+          <a:ext cx="0" cy="0"/>
+          <a:chOff x="0" y="0"/>
+          <a:chExt cx="0" cy="0"/>
+        </a:xfrm>
+      </p:grpSpPr>
+      <p:pic>
+        <p:nvPicPr>
+          <p:cNvPr id="8" name="그림 7">
+            <a:extLst>
+              <a:ext uri="{FF2B5EF4-FFF2-40B4-BE49-F238E27FC236}">
+                <a16:creationId xmlns:a16="http://schemas.microsoft.com/office/drawing/2014/main" id="{CD86615F-BD5A-42DD-BD0C-E01374D95F87}"/>
+              </a:ext>
+            </a:extLst>
+          </p:cNvPr>
+          <p:cNvPicPr>
+            <a:picLocks noChangeAspect="1"/>
+          </p:cNvPicPr>
+          <p:nvPr/>
+        </p:nvPicPr>
+        <p:blipFill>
+          <a:blip r:embed="rId2">
+            <a:extLst>
+              <a:ext uri="{28A0092B-C50C-407E-A947-70E740481C1C}">
+                <a14:useLocalDpi xmlns:a14="http://schemas.microsoft.com/office/drawing/2010/main" val="0"/>
+              </a:ext>
+            </a:extLst>
+          </a:blip>
+          <a:stretch>
+            <a:fillRect/>
+          </a:stretch>
+        </p:blipFill>
+        <p:spPr>
+          <a:xfrm>
+            <a:off x="466725" y="293641"/>
+            <a:ext cx="5924550" cy="4991100"/>
+          </a:xfrm>
+          <a:prstGeom prst="rect">
+            <a:avLst/>
+          </a:prstGeom>
+        </p:spPr>
+      </p:pic>
+    </p:spTree>
+    <p:extLst>
+      <p:ext uri="{BB962C8B-B14F-4D97-AF65-F5344CB8AC3E}">
+        <p14:creationId xmlns:p14="http://schemas.microsoft.com/office/powerpoint/2010/main" val="3129543310"/>
+      </p:ext>
+    </p:extLst>
+  </p:cSld>
+  <p:clrMapOvr>
+    <a:masterClrMapping/>
+  </p:clrMapOvr>
+</p:sld>
+</file>
+
+<file path=ppt/slides/slide8.xml><?xml version="1.0" encoding="utf-8"?>
+<p:sld xmlns:a="http://schemas.openxmlformats.org/drawingml/2006/main" xmlns:r="http://schemas.openxmlformats.org/officeDocument/2006/relationships" xmlns:p="http://schemas.openxmlformats.org/presentationml/2006/main">
+  <p:cSld>
+    <p:spTree>
+      <p:nvGrpSpPr>
+        <p:cNvPr id="1" name=""/>
+        <p:cNvGrpSpPr/>
+        <p:nvPr/>
+      </p:nvGrpSpPr>
+      <p:grpSpPr>
+        <a:xfrm>
+          <a:off x="0" y="0"/>
+          <a:ext cx="0" cy="0"/>
+          <a:chOff x="0" y="0"/>
+          <a:chExt cx="0" cy="0"/>
+        </a:xfrm>
+      </p:grpSpPr>
+      <p:pic>
+        <p:nvPicPr>
+          <p:cNvPr id="3" name="그림 2" descr="그리기이(가) 표시된 사진&#10;&#10;자동 생성된 설명">
+            <a:extLst>
+              <a:ext uri="{FF2B5EF4-FFF2-40B4-BE49-F238E27FC236}">
+                <a16:creationId xmlns:a16="http://schemas.microsoft.com/office/drawing/2014/main" id="{DD6D3211-7291-44D8-80D3-DC0A412ED1D4}"/>
+              </a:ext>
+            </a:extLst>
+          </p:cNvPr>
+          <p:cNvPicPr>
+            <a:picLocks noChangeAspect="1"/>
+          </p:cNvPicPr>
+          <p:nvPr/>
+        </p:nvPicPr>
+        <p:blipFill>
+          <a:blip r:embed="rId2">
+            <a:extLst>
+              <a:ext uri="{28A0092B-C50C-407E-A947-70E740481C1C}">
+                <a14:useLocalDpi xmlns:a14="http://schemas.microsoft.com/office/drawing/2010/main" val="0"/>
+              </a:ext>
+            </a:extLst>
+          </a:blip>
+          <a:stretch>
+            <a:fillRect/>
+          </a:stretch>
+        </p:blipFill>
+        <p:spPr>
+          <a:xfrm>
+            <a:off x="804838" y="0"/>
+            <a:ext cx="5248324" cy="9906000"/>
+          </a:xfrm>
+          <a:prstGeom prst="rect">
+            <a:avLst/>
+          </a:prstGeom>
+        </p:spPr>
+      </p:pic>
+    </p:spTree>
+    <p:extLst>
+      <p:ext uri="{BB962C8B-B14F-4D97-AF65-F5344CB8AC3E}">
+        <p14:creationId xmlns:p14="http://schemas.microsoft.com/office/powerpoint/2010/main" val="958968625"/>
       </p:ext>
     </p:extLst>
   </p:cSld>

--- a/발표 자료/최종 발표 자료/클래스 다이어그램.pptx
+++ b/발표 자료/최종 발표 자료/클래스 다이어그램.pptx
@@ -261,7 +261,7 @@
           <a:p>
             <a:fld id="{C94A71AF-5BAD-43A7-B6A4-3CF4FC5276AB}" type="datetimeFigureOut">
               <a:rPr lang="ko-KR" altLang="en-US" smtClean="0"/>
-              <a:t>2020-09-16</a:t>
+              <a:t>2020-09-21</a:t>
             </a:fld>
             <a:endParaRPr lang="ko-KR" altLang="en-US"/>
           </a:p>
@@ -431,7 +431,7 @@
           <a:p>
             <a:fld id="{C94A71AF-5BAD-43A7-B6A4-3CF4FC5276AB}" type="datetimeFigureOut">
               <a:rPr lang="ko-KR" altLang="en-US" smtClean="0"/>
-              <a:t>2020-09-16</a:t>
+              <a:t>2020-09-21</a:t>
             </a:fld>
             <a:endParaRPr lang="ko-KR" altLang="en-US"/>
           </a:p>
@@ -611,7 +611,7 @@
           <a:p>
             <a:fld id="{C94A71AF-5BAD-43A7-B6A4-3CF4FC5276AB}" type="datetimeFigureOut">
               <a:rPr lang="ko-KR" altLang="en-US" smtClean="0"/>
-              <a:t>2020-09-16</a:t>
+              <a:t>2020-09-21</a:t>
             </a:fld>
             <a:endParaRPr lang="ko-KR" altLang="en-US"/>
           </a:p>
@@ -781,7 +781,7 @@
           <a:p>
             <a:fld id="{C94A71AF-5BAD-43A7-B6A4-3CF4FC5276AB}" type="datetimeFigureOut">
               <a:rPr lang="ko-KR" altLang="en-US" smtClean="0"/>
-              <a:t>2020-09-16</a:t>
+              <a:t>2020-09-21</a:t>
             </a:fld>
             <a:endParaRPr lang="ko-KR" altLang="en-US"/>
           </a:p>
@@ -1025,7 +1025,7 @@
           <a:p>
             <a:fld id="{C94A71AF-5BAD-43A7-B6A4-3CF4FC5276AB}" type="datetimeFigureOut">
               <a:rPr lang="ko-KR" altLang="en-US" smtClean="0"/>
-              <a:t>2020-09-16</a:t>
+              <a:t>2020-09-21</a:t>
             </a:fld>
             <a:endParaRPr lang="ko-KR" altLang="en-US"/>
           </a:p>
@@ -1257,7 +1257,7 @@
           <a:p>
             <a:fld id="{C94A71AF-5BAD-43A7-B6A4-3CF4FC5276AB}" type="datetimeFigureOut">
               <a:rPr lang="ko-KR" altLang="en-US" smtClean="0"/>
-              <a:t>2020-09-16</a:t>
+              <a:t>2020-09-21</a:t>
             </a:fld>
             <a:endParaRPr lang="ko-KR" altLang="en-US"/>
           </a:p>
@@ -1624,7 +1624,7 @@
           <a:p>
             <a:fld id="{C94A71AF-5BAD-43A7-B6A4-3CF4FC5276AB}" type="datetimeFigureOut">
               <a:rPr lang="ko-KR" altLang="en-US" smtClean="0"/>
-              <a:t>2020-09-16</a:t>
+              <a:t>2020-09-21</a:t>
             </a:fld>
             <a:endParaRPr lang="ko-KR" altLang="en-US"/>
           </a:p>
@@ -1742,7 +1742,7 @@
           <a:p>
             <a:fld id="{C94A71AF-5BAD-43A7-B6A4-3CF4FC5276AB}" type="datetimeFigureOut">
               <a:rPr lang="ko-KR" altLang="en-US" smtClean="0"/>
-              <a:t>2020-09-16</a:t>
+              <a:t>2020-09-21</a:t>
             </a:fld>
             <a:endParaRPr lang="ko-KR" altLang="en-US"/>
           </a:p>
@@ -1837,7 +1837,7 @@
           <a:p>
             <a:fld id="{C94A71AF-5BAD-43A7-B6A4-3CF4FC5276AB}" type="datetimeFigureOut">
               <a:rPr lang="ko-KR" altLang="en-US" smtClean="0"/>
-              <a:t>2020-09-16</a:t>
+              <a:t>2020-09-21</a:t>
             </a:fld>
             <a:endParaRPr lang="ko-KR" altLang="en-US"/>
           </a:p>
@@ -2114,7 +2114,7 @@
           <a:p>
             <a:fld id="{C94A71AF-5BAD-43A7-B6A4-3CF4FC5276AB}" type="datetimeFigureOut">
               <a:rPr lang="ko-KR" altLang="en-US" smtClean="0"/>
-              <a:t>2020-09-16</a:t>
+              <a:t>2020-09-21</a:t>
             </a:fld>
             <a:endParaRPr lang="ko-KR" altLang="en-US"/>
           </a:p>
@@ -2371,7 +2371,7 @@
           <a:p>
             <a:fld id="{C94A71AF-5BAD-43A7-B6A4-3CF4FC5276AB}" type="datetimeFigureOut">
               <a:rPr lang="ko-KR" altLang="en-US" smtClean="0"/>
-              <a:t>2020-09-16</a:t>
+              <a:t>2020-09-21</a:t>
             </a:fld>
             <a:endParaRPr lang="ko-KR" altLang="en-US"/>
           </a:p>
@@ -2584,7 +2584,7 @@
           <a:p>
             <a:fld id="{C94A71AF-5BAD-43A7-B6A4-3CF4FC5276AB}" type="datetimeFigureOut">
               <a:rPr lang="ko-KR" altLang="en-US" smtClean="0"/>
-              <a:t>2020-09-16</a:t>
+              <a:t>2020-09-21</a:t>
             </a:fld>
             <a:endParaRPr lang="ko-KR" altLang="en-US"/>
           </a:p>
@@ -2991,10 +2991,10 @@
       </p:grpSpPr>
       <p:pic>
         <p:nvPicPr>
-          <p:cNvPr id="27" name="그림 26" descr="스크린샷, 그리기이(가) 표시된 사진&#10;&#10;자동 생성된 설명">
+          <p:cNvPr id="3" name="그림 2">
             <a:extLst>
               <a:ext uri="{FF2B5EF4-FFF2-40B4-BE49-F238E27FC236}">
-                <a16:creationId xmlns:a16="http://schemas.microsoft.com/office/drawing/2014/main" id="{AE37EC5B-1838-4BE8-9FAD-3EAEF7C693D8}"/>
+                <a16:creationId xmlns:a16="http://schemas.microsoft.com/office/drawing/2014/main" id="{7A083F94-E4BE-49A0-B03D-FE345BBD735D}"/>
               </a:ext>
             </a:extLst>
           </p:cNvPr>
@@ -3018,7 +3018,7 @@
         <p:spPr>
           <a:xfrm>
             <a:off x="471486" y="274320"/>
-            <a:ext cx="5915025" cy="5372100"/>
+            <a:ext cx="5915025" cy="5181600"/>
           </a:xfrm>
           <a:prstGeom prst="rect">
             <a:avLst/>
@@ -3027,10 +3027,10 @@
       </p:pic>
       <p:pic>
         <p:nvPicPr>
-          <p:cNvPr id="31" name="그림 30" descr="스크린샷이(가) 표시된 사진&#10;&#10;자동 생성된 설명">
+          <p:cNvPr id="5" name="그림 4" descr="스크린샷이(가) 표시된 사진&#10;&#10;자동 생성된 설명">
             <a:extLst>
               <a:ext uri="{FF2B5EF4-FFF2-40B4-BE49-F238E27FC236}">
-                <a16:creationId xmlns:a16="http://schemas.microsoft.com/office/drawing/2014/main" id="{74C036B9-9C13-4868-8202-0BA3611F8167}"/>
+                <a16:creationId xmlns:a16="http://schemas.microsoft.com/office/drawing/2014/main" id="{E8A2398E-FACD-4B6B-B789-3461C692923C}"/>
               </a:ext>
             </a:extLst>
           </p:cNvPr>
@@ -3093,10 +3093,10 @@
       </p:grpSpPr>
       <p:pic>
         <p:nvPicPr>
-          <p:cNvPr id="3" name="그림 2" descr="스크린샷, 그리기이(가) 표시된 사진&#10;&#10;자동 생성된 설명">
+          <p:cNvPr id="4" name="그림 3" descr="스크린샷, 그리기이(가) 표시된 사진&#10;&#10;자동 생성된 설명">
             <a:extLst>
               <a:ext uri="{FF2B5EF4-FFF2-40B4-BE49-F238E27FC236}">
-                <a16:creationId xmlns:a16="http://schemas.microsoft.com/office/drawing/2014/main" id="{69DDAFD7-1C1B-425D-B5CD-50EC6027232F}"/>
+                <a16:creationId xmlns:a16="http://schemas.microsoft.com/office/drawing/2014/main" id="{07AB8420-4367-4378-8A06-D545A5329F36}"/>
               </a:ext>
             </a:extLst>
           </p:cNvPr>
@@ -3119,7 +3119,7 @@
         </p:blipFill>
         <p:spPr>
           <a:xfrm>
-            <a:off x="471486" y="173356"/>
+            <a:off x="471486" y="154574"/>
             <a:ext cx="5915025" cy="2200275"/>
           </a:xfrm>
           <a:prstGeom prst="rect">
@@ -3129,10 +3129,10 @@
       </p:pic>
       <p:pic>
         <p:nvPicPr>
-          <p:cNvPr id="5" name="그림 4" descr="그리기이(가) 표시된 사진&#10;&#10;자동 생성된 설명">
+          <p:cNvPr id="7" name="그림 6">
             <a:extLst>
               <a:ext uri="{FF2B5EF4-FFF2-40B4-BE49-F238E27FC236}">
-                <a16:creationId xmlns:a16="http://schemas.microsoft.com/office/drawing/2014/main" id="{3DF58395-F4B1-4150-9FC7-873E1300A619}"/>
+                <a16:creationId xmlns:a16="http://schemas.microsoft.com/office/drawing/2014/main" id="{91F70AA3-94D1-458C-9326-36AFE6A0BBA1}"/>
               </a:ext>
             </a:extLst>
           </p:cNvPr>
@@ -3155,8 +3155,8 @@
         </p:blipFill>
         <p:spPr>
           <a:xfrm>
-            <a:off x="471486" y="2550794"/>
-            <a:ext cx="5915025" cy="7181850"/>
+            <a:off x="461961" y="2569576"/>
+            <a:ext cx="5924550" cy="7181850"/>
           </a:xfrm>
           <a:prstGeom prst="rect">
             <a:avLst/>
@@ -3195,10 +3195,10 @@
       </p:grpSpPr>
       <p:pic>
         <p:nvPicPr>
-          <p:cNvPr id="3" name="그림 2">
+          <p:cNvPr id="4" name="그림 3">
             <a:extLst>
               <a:ext uri="{FF2B5EF4-FFF2-40B4-BE49-F238E27FC236}">
-                <a16:creationId xmlns:a16="http://schemas.microsoft.com/office/drawing/2014/main" id="{5E77E85D-3B58-4CC5-9EC3-8BAC38A78516}"/>
+                <a16:creationId xmlns:a16="http://schemas.microsoft.com/office/drawing/2014/main" id="{9DCB4B7C-85B9-4FD9-9DE7-F93A61AADDED}"/>
               </a:ext>
             </a:extLst>
           </p:cNvPr>
@@ -3221,8 +3221,8 @@
         </p:blipFill>
         <p:spPr>
           <a:xfrm>
-            <a:off x="514349" y="5248003"/>
-            <a:ext cx="5915025" cy="3276600"/>
+            <a:off x="433387" y="638447"/>
+            <a:ext cx="5991225" cy="4019550"/>
           </a:xfrm>
           <a:prstGeom prst="rect">
             <a:avLst/>
@@ -3231,10 +3231,10 @@
       </p:pic>
       <p:pic>
         <p:nvPicPr>
-          <p:cNvPr id="5" name="그림 4">
+          <p:cNvPr id="7" name="그림 6">
             <a:extLst>
               <a:ext uri="{FF2B5EF4-FFF2-40B4-BE49-F238E27FC236}">
-                <a16:creationId xmlns:a16="http://schemas.microsoft.com/office/drawing/2014/main" id="{EB013618-7D24-42FA-A8B6-61C4B799CF13}"/>
+                <a16:creationId xmlns:a16="http://schemas.microsoft.com/office/drawing/2014/main" id="{787F82A0-CD3F-461E-983E-EE07A2D659AA}"/>
               </a:ext>
             </a:extLst>
           </p:cNvPr>
@@ -3257,8 +3257,8 @@
         </p:blipFill>
         <p:spPr>
           <a:xfrm>
-            <a:off x="471487" y="526597"/>
-            <a:ext cx="6000750" cy="4019550"/>
+            <a:off x="471486" y="5248004"/>
+            <a:ext cx="5915025" cy="3276600"/>
           </a:xfrm>
           <a:prstGeom prst="rect">
             <a:avLst/>
@@ -3297,10 +3297,10 @@
       </p:grpSpPr>
       <p:pic>
         <p:nvPicPr>
-          <p:cNvPr id="27" name="그림 26">
+          <p:cNvPr id="3" name="그림 2">
             <a:extLst>
               <a:ext uri="{FF2B5EF4-FFF2-40B4-BE49-F238E27FC236}">
-                <a16:creationId xmlns:a16="http://schemas.microsoft.com/office/drawing/2014/main" id="{254AB8AA-1C38-41F0-923D-822D65EA7CBD}"/>
+                <a16:creationId xmlns:a16="http://schemas.microsoft.com/office/drawing/2014/main" id="{F852929A-013A-4012-B5CE-9B9C99895942}"/>
               </a:ext>
             </a:extLst>
           </p:cNvPr>
@@ -3363,10 +3363,10 @@
       </p:grpSpPr>
       <p:pic>
         <p:nvPicPr>
-          <p:cNvPr id="3" name="그림 2" descr="그리기이(가) 표시된 사진&#10;&#10;자동 생성된 설명">
+          <p:cNvPr id="4" name="그림 3" descr="그리기이(가) 표시된 사진&#10;&#10;자동 생성된 설명">
             <a:extLst>
               <a:ext uri="{FF2B5EF4-FFF2-40B4-BE49-F238E27FC236}">
-                <a16:creationId xmlns:a16="http://schemas.microsoft.com/office/drawing/2014/main" id="{5AA12602-D00E-48B6-A858-EAD565D10DD7}"/>
+                <a16:creationId xmlns:a16="http://schemas.microsoft.com/office/drawing/2014/main" id="{EE03E0C5-0D74-496E-8922-78D1B54AF123}"/>
               </a:ext>
             </a:extLst>
           </p:cNvPr>
@@ -3389,7 +3389,7 @@
         </p:blipFill>
         <p:spPr>
           <a:xfrm>
-            <a:off x="466725" y="125458"/>
+            <a:off x="466725" y="373652"/>
             <a:ext cx="5924550" cy="5657850"/>
           </a:xfrm>
           <a:prstGeom prst="rect">
@@ -3429,10 +3429,10 @@
       </p:grpSpPr>
       <p:pic>
         <p:nvPicPr>
-          <p:cNvPr id="6" name="그림 5">
+          <p:cNvPr id="3" name="그림 2" descr="그리기이(가) 표시된 사진&#10;&#10;자동 생성된 설명">
             <a:extLst>
               <a:ext uri="{FF2B5EF4-FFF2-40B4-BE49-F238E27FC236}">
-                <a16:creationId xmlns:a16="http://schemas.microsoft.com/office/drawing/2014/main" id="{825457E7-E189-4EF3-96C9-58EC0464B48A}"/>
+                <a16:creationId xmlns:a16="http://schemas.microsoft.com/office/drawing/2014/main" id="{0E58065A-91E9-4A9B-BCFB-1E59705937B3}"/>
               </a:ext>
             </a:extLst>
           </p:cNvPr>
@@ -3455,8 +3455,8 @@
         </p:blipFill>
         <p:spPr>
           <a:xfrm>
-            <a:off x="466725" y="267517"/>
-            <a:ext cx="5924550" cy="5086350"/>
+            <a:off x="466725" y="468696"/>
+            <a:ext cx="5924550" cy="5657850"/>
           </a:xfrm>
           <a:prstGeom prst="rect">
             <a:avLst/>
@@ -3495,10 +3495,10 @@
       </p:grpSpPr>
       <p:pic>
         <p:nvPicPr>
-          <p:cNvPr id="8" name="그림 7">
+          <p:cNvPr id="3" name="그림 2">
             <a:extLst>
               <a:ext uri="{FF2B5EF4-FFF2-40B4-BE49-F238E27FC236}">
-                <a16:creationId xmlns:a16="http://schemas.microsoft.com/office/drawing/2014/main" id="{CD86615F-BD5A-42DD-BD0C-E01374D95F87}"/>
+                <a16:creationId xmlns:a16="http://schemas.microsoft.com/office/drawing/2014/main" id="{9B06988F-DB37-489F-9E87-7030DCBC3231}"/>
               </a:ext>
             </a:extLst>
           </p:cNvPr>
@@ -3521,7 +3521,7 @@
         </p:blipFill>
         <p:spPr>
           <a:xfrm>
-            <a:off x="466725" y="293641"/>
+            <a:off x="466725" y="445770"/>
             <a:ext cx="5924550" cy="4991100"/>
           </a:xfrm>
           <a:prstGeom prst="rect">
@@ -3561,10 +3561,10 @@
       </p:grpSpPr>
       <p:pic>
         <p:nvPicPr>
-          <p:cNvPr id="3" name="그림 2" descr="그리기이(가) 표시된 사진&#10;&#10;자동 생성된 설명">
+          <p:cNvPr id="4" name="그림 3" descr="그리기이(가) 표시된 사진&#10;&#10;자동 생성된 설명">
             <a:extLst>
               <a:ext uri="{FF2B5EF4-FFF2-40B4-BE49-F238E27FC236}">
-                <a16:creationId xmlns:a16="http://schemas.microsoft.com/office/drawing/2014/main" id="{DD6D3211-7291-44D8-80D3-DC0A412ED1D4}"/>
+                <a16:creationId xmlns:a16="http://schemas.microsoft.com/office/drawing/2014/main" id="{98D3A8A2-E1A7-45E0-8425-C0D9BAC13749}"/>
               </a:ext>
             </a:extLst>
           </p:cNvPr>
